--- a/Research - Concept/Week 1 Presentation.pptx
+++ b/Research - Concept/Week 1 Presentation.pptx
@@ -109,6 +109,22 @@
       </a:defRPr>
     </a:lvl9pPr>
   </p:defaultTextStyle>
+  <p:extLst>
+    <p:ext uri="{EFAFB233-063F-42B5-8137-9DF3F51BA10A}">
+      <p15:sldGuideLst xmlns:p15="http://schemas.microsoft.com/office/powerpoint/2012/main">
+        <p15:guide id="1" orient="horz" pos="2160">
+          <p15:clr>
+            <a:srgbClr val="A4A3A4"/>
+          </p15:clr>
+        </p15:guide>
+        <p15:guide id="2" pos="2880">
+          <p15:clr>
+            <a:srgbClr val="A4A3A4"/>
+          </p15:clr>
+        </p15:guide>
+      </p15:sldGuideLst>
+    </p:ext>
+  </p:extLst>
 </p:presentation>
 </file>
 
@@ -408,10 +424,9 @@
           </a:lstStyle>
           <a:p>
             <a:r>
-              <a:rPr kumimoji="0" lang="en-US" smtClean="0"/>
+              <a:rPr kumimoji="0" lang="en-US"/>
               <a:t>Click to edit Master title style</a:t>
             </a:r>
-            <a:endParaRPr kumimoji="0" lang="en-US"/>
           </a:p>
         </p:txBody>
       </p:sp>
@@ -472,10 +487,9 @@
           </a:lstStyle>
           <a:p>
             <a:r>
-              <a:rPr kumimoji="0" lang="en-US" smtClean="0"/>
+              <a:rPr kumimoji="0" lang="en-US"/>
               <a:t>Click to edit Master subtitle style</a:t>
             </a:r>
-            <a:endParaRPr kumimoji="0" lang="en-US"/>
           </a:p>
         </p:txBody>
       </p:sp>
@@ -496,7 +510,7 @@
           <a:p>
             <a:fld id="{3EE8C477-E625-422B-927C-9671C0A03F05}" type="datetimeFigureOut">
               <a:rPr lang="en-GB" smtClean="0"/>
-              <a:t>27/01/2017</a:t>
+              <a:t>28/01/2017</a:t>
             </a:fld>
             <a:endParaRPr lang="en-GB"/>
           </a:p>
@@ -585,10 +599,9 @@
           <a:lstStyle/>
           <a:p>
             <a:r>
-              <a:rPr kumimoji="0" lang="en-US" smtClean="0"/>
+              <a:rPr kumimoji="0" lang="en-US"/>
               <a:t>Click to edit Master title style</a:t>
             </a:r>
-            <a:endParaRPr kumimoji="0" lang="en-US"/>
           </a:p>
         </p:txBody>
       </p:sp>
@@ -609,35 +622,35 @@
           <a:p>
             <a:pPr lvl="0" eaLnBrk="1" latinLnBrk="0" hangingPunct="1"/>
             <a:r>
-              <a:rPr lang="en-US" smtClean="0"/>
+              <a:rPr lang="en-US"/>
               <a:t>Click to edit Master text styles</a:t>
             </a:r>
           </a:p>
           <a:p>
             <a:pPr lvl="1" eaLnBrk="1" latinLnBrk="0" hangingPunct="1"/>
             <a:r>
-              <a:rPr lang="en-US" smtClean="0"/>
+              <a:rPr lang="en-US"/>
               <a:t>Second level</a:t>
             </a:r>
           </a:p>
           <a:p>
             <a:pPr lvl="2" eaLnBrk="1" latinLnBrk="0" hangingPunct="1"/>
             <a:r>
-              <a:rPr lang="en-US" smtClean="0"/>
+              <a:rPr lang="en-US"/>
               <a:t>Third level</a:t>
             </a:r>
           </a:p>
           <a:p>
             <a:pPr lvl="3" eaLnBrk="1" latinLnBrk="0" hangingPunct="1"/>
             <a:r>
-              <a:rPr lang="en-US" smtClean="0"/>
+              <a:rPr lang="en-US"/>
               <a:t>Fourth level</a:t>
             </a:r>
           </a:p>
           <a:p>
             <a:pPr lvl="4" eaLnBrk="1" latinLnBrk="0" hangingPunct="1"/>
             <a:r>
-              <a:rPr lang="en-US" smtClean="0"/>
+              <a:rPr lang="en-US"/>
               <a:t>Fifth level</a:t>
             </a:r>
             <a:endParaRPr kumimoji="0" lang="en-US"/>
@@ -661,7 +674,7 @@
           <a:p>
             <a:fld id="{3EE8C477-E625-422B-927C-9671C0A03F05}" type="datetimeFigureOut">
               <a:rPr lang="en-GB" smtClean="0"/>
-              <a:t>27/01/2017</a:t>
+              <a:t>28/01/2017</a:t>
             </a:fld>
             <a:endParaRPr lang="en-GB"/>
           </a:p>
@@ -755,10 +768,9 @@
           <a:lstStyle/>
           <a:p>
             <a:r>
-              <a:rPr kumimoji="0" lang="en-US" smtClean="0"/>
+              <a:rPr kumimoji="0" lang="en-US"/>
               <a:t>Click to edit Master title style</a:t>
             </a:r>
-            <a:endParaRPr kumimoji="0" lang="en-US"/>
           </a:p>
         </p:txBody>
       </p:sp>
@@ -784,35 +796,35 @@
           <a:p>
             <a:pPr lvl="0" eaLnBrk="1" latinLnBrk="0" hangingPunct="1"/>
             <a:r>
-              <a:rPr lang="en-US" smtClean="0"/>
+              <a:rPr lang="en-US"/>
               <a:t>Click to edit Master text styles</a:t>
             </a:r>
           </a:p>
           <a:p>
             <a:pPr lvl="1" eaLnBrk="1" latinLnBrk="0" hangingPunct="1"/>
             <a:r>
-              <a:rPr lang="en-US" smtClean="0"/>
+              <a:rPr lang="en-US"/>
               <a:t>Second level</a:t>
             </a:r>
           </a:p>
           <a:p>
             <a:pPr lvl="2" eaLnBrk="1" latinLnBrk="0" hangingPunct="1"/>
             <a:r>
-              <a:rPr lang="en-US" smtClean="0"/>
+              <a:rPr lang="en-US"/>
               <a:t>Third level</a:t>
             </a:r>
           </a:p>
           <a:p>
             <a:pPr lvl="3" eaLnBrk="1" latinLnBrk="0" hangingPunct="1"/>
             <a:r>
-              <a:rPr lang="en-US" smtClean="0"/>
+              <a:rPr lang="en-US"/>
               <a:t>Fourth level</a:t>
             </a:r>
           </a:p>
           <a:p>
             <a:pPr lvl="4" eaLnBrk="1" latinLnBrk="0" hangingPunct="1"/>
             <a:r>
-              <a:rPr lang="en-US" smtClean="0"/>
+              <a:rPr lang="en-US"/>
               <a:t>Fifth level</a:t>
             </a:r>
             <a:endParaRPr kumimoji="0" lang="en-US"/>
@@ -836,7 +848,7 @@
           <a:p>
             <a:fld id="{3EE8C477-E625-422B-927C-9671C0A03F05}" type="datetimeFigureOut">
               <a:rPr lang="en-GB" smtClean="0"/>
-              <a:t>27/01/2017</a:t>
+              <a:t>28/01/2017</a:t>
             </a:fld>
             <a:endParaRPr lang="en-GB"/>
           </a:p>
@@ -929,10 +941,9 @@
           </a:lstStyle>
           <a:p>
             <a:r>
-              <a:rPr kumimoji="0" lang="en-US" smtClean="0"/>
+              <a:rPr kumimoji="0" lang="en-US"/>
               <a:t>Click to edit Master title style</a:t>
             </a:r>
-            <a:endParaRPr kumimoji="0" lang="en-US"/>
           </a:p>
         </p:txBody>
       </p:sp>
@@ -953,35 +964,35 @@
           <a:p>
             <a:pPr lvl="0" eaLnBrk="1" latinLnBrk="0" hangingPunct="1"/>
             <a:r>
-              <a:rPr lang="en-US" smtClean="0"/>
+              <a:rPr lang="en-US"/>
               <a:t>Click to edit Master text styles</a:t>
             </a:r>
           </a:p>
           <a:p>
             <a:pPr lvl="1" eaLnBrk="1" latinLnBrk="0" hangingPunct="1"/>
             <a:r>
-              <a:rPr lang="en-US" smtClean="0"/>
+              <a:rPr lang="en-US"/>
               <a:t>Second level</a:t>
             </a:r>
           </a:p>
           <a:p>
             <a:pPr lvl="2" eaLnBrk="1" latinLnBrk="0" hangingPunct="1"/>
             <a:r>
-              <a:rPr lang="en-US" smtClean="0"/>
+              <a:rPr lang="en-US"/>
               <a:t>Third level</a:t>
             </a:r>
           </a:p>
           <a:p>
             <a:pPr lvl="3" eaLnBrk="1" latinLnBrk="0" hangingPunct="1"/>
             <a:r>
-              <a:rPr lang="en-US" smtClean="0"/>
+              <a:rPr lang="en-US"/>
               <a:t>Fourth level</a:t>
             </a:r>
           </a:p>
           <a:p>
             <a:pPr lvl="4" eaLnBrk="1" latinLnBrk="0" hangingPunct="1"/>
             <a:r>
-              <a:rPr lang="en-US" smtClean="0"/>
+              <a:rPr lang="en-US"/>
               <a:t>Fifth level</a:t>
             </a:r>
             <a:endParaRPr kumimoji="0" lang="en-US"/>
@@ -1005,7 +1016,7 @@
           <a:p>
             <a:fld id="{3EE8C477-E625-422B-927C-9671C0A03F05}" type="datetimeFigureOut">
               <a:rPr lang="en-GB" smtClean="0"/>
-              <a:t>27/01/2017</a:t>
+              <a:t>28/01/2017</a:t>
             </a:fld>
             <a:endParaRPr lang="en-GB"/>
           </a:p>
@@ -1358,10 +1369,9 @@
           </a:lstStyle>
           <a:p>
             <a:r>
-              <a:rPr kumimoji="0" lang="en-US" smtClean="0"/>
+              <a:rPr kumimoji="0" lang="en-US"/>
               <a:t>Click to edit Master title style</a:t>
             </a:r>
-            <a:endParaRPr kumimoji="0" lang="en-US"/>
           </a:p>
         </p:txBody>
       </p:sp>
@@ -1437,7 +1447,7 @@
           <a:p>
             <a:pPr lvl="0" eaLnBrk="1" latinLnBrk="0" hangingPunct="1"/>
             <a:r>
-              <a:rPr kumimoji="0" lang="en-US" smtClean="0"/>
+              <a:rPr kumimoji="0" lang="en-US"/>
               <a:t>Click to edit Master text styles</a:t>
             </a:r>
           </a:p>
@@ -1460,7 +1470,7 @@
           <a:p>
             <a:fld id="{3EE8C477-E625-422B-927C-9671C0A03F05}" type="datetimeFigureOut">
               <a:rPr lang="en-GB" smtClean="0"/>
-              <a:t>27/01/2017</a:t>
+              <a:t>28/01/2017</a:t>
             </a:fld>
             <a:endParaRPr lang="en-GB"/>
           </a:p>
@@ -1554,10 +1564,9 @@
           <a:lstStyle/>
           <a:p>
             <a:r>
-              <a:rPr kumimoji="0" lang="en-US" smtClean="0"/>
+              <a:rPr kumimoji="0" lang="en-US"/>
               <a:t>Click to edit Master title style</a:t>
             </a:r>
-            <a:endParaRPr kumimoji="0" lang="en-US"/>
           </a:p>
         </p:txBody>
       </p:sp>
@@ -1599,35 +1608,35 @@
           <a:p>
             <a:pPr lvl="0" eaLnBrk="1" latinLnBrk="0" hangingPunct="1"/>
             <a:r>
-              <a:rPr lang="en-US" smtClean="0"/>
+              <a:rPr lang="en-US"/>
               <a:t>Click to edit Master text styles</a:t>
             </a:r>
           </a:p>
           <a:p>
             <a:pPr lvl="1" eaLnBrk="1" latinLnBrk="0" hangingPunct="1"/>
             <a:r>
-              <a:rPr lang="en-US" smtClean="0"/>
+              <a:rPr lang="en-US"/>
               <a:t>Second level</a:t>
             </a:r>
           </a:p>
           <a:p>
             <a:pPr lvl="2" eaLnBrk="1" latinLnBrk="0" hangingPunct="1"/>
             <a:r>
-              <a:rPr lang="en-US" smtClean="0"/>
+              <a:rPr lang="en-US"/>
               <a:t>Third level</a:t>
             </a:r>
           </a:p>
           <a:p>
             <a:pPr lvl="3" eaLnBrk="1" latinLnBrk="0" hangingPunct="1"/>
             <a:r>
-              <a:rPr lang="en-US" smtClean="0"/>
+              <a:rPr lang="en-US"/>
               <a:t>Fourth level</a:t>
             </a:r>
           </a:p>
           <a:p>
             <a:pPr lvl="4" eaLnBrk="1" latinLnBrk="0" hangingPunct="1"/>
             <a:r>
-              <a:rPr lang="en-US" smtClean="0"/>
+              <a:rPr lang="en-US"/>
               <a:t>Fifth level</a:t>
             </a:r>
             <a:endParaRPr kumimoji="0" lang="en-US"/>
@@ -1672,35 +1681,35 @@
           <a:p>
             <a:pPr lvl="0" eaLnBrk="1" latinLnBrk="0" hangingPunct="1"/>
             <a:r>
-              <a:rPr lang="en-US" smtClean="0"/>
+              <a:rPr lang="en-US"/>
               <a:t>Click to edit Master text styles</a:t>
             </a:r>
           </a:p>
           <a:p>
             <a:pPr lvl="1" eaLnBrk="1" latinLnBrk="0" hangingPunct="1"/>
             <a:r>
-              <a:rPr lang="en-US" smtClean="0"/>
+              <a:rPr lang="en-US"/>
               <a:t>Second level</a:t>
             </a:r>
           </a:p>
           <a:p>
             <a:pPr lvl="2" eaLnBrk="1" latinLnBrk="0" hangingPunct="1"/>
             <a:r>
-              <a:rPr lang="en-US" smtClean="0"/>
+              <a:rPr lang="en-US"/>
               <a:t>Third level</a:t>
             </a:r>
           </a:p>
           <a:p>
             <a:pPr lvl="3" eaLnBrk="1" latinLnBrk="0" hangingPunct="1"/>
             <a:r>
-              <a:rPr lang="en-US" smtClean="0"/>
+              <a:rPr lang="en-US"/>
               <a:t>Fourth level</a:t>
             </a:r>
           </a:p>
           <a:p>
             <a:pPr lvl="4" eaLnBrk="1" latinLnBrk="0" hangingPunct="1"/>
             <a:r>
-              <a:rPr lang="en-US" smtClean="0"/>
+              <a:rPr lang="en-US"/>
               <a:t>Fifth level</a:t>
             </a:r>
             <a:endParaRPr kumimoji="0" lang="en-US"/>
@@ -1724,7 +1733,7 @@
           <a:p>
             <a:fld id="{3EE8C477-E625-422B-927C-9671C0A03F05}" type="datetimeFigureOut">
               <a:rPr lang="en-GB" smtClean="0"/>
-              <a:t>27/01/2017</a:t>
+              <a:t>28/01/2017</a:t>
             </a:fld>
             <a:endParaRPr lang="en-GB"/>
           </a:p>
@@ -1822,10 +1831,9 @@
           </a:lstStyle>
           <a:p>
             <a:r>
-              <a:rPr kumimoji="0" lang="en-US" smtClean="0"/>
+              <a:rPr kumimoji="0" lang="en-US"/>
               <a:t>Click to edit Master title style</a:t>
             </a:r>
-            <a:endParaRPr kumimoji="0" lang="en-US"/>
           </a:p>
         </p:txBody>
       </p:sp>
@@ -1876,7 +1884,7 @@
           <a:p>
             <a:pPr lvl="0" eaLnBrk="1" latinLnBrk="0" hangingPunct="1"/>
             <a:r>
-              <a:rPr kumimoji="0" lang="en-US" smtClean="0"/>
+              <a:rPr kumimoji="0" lang="en-US"/>
               <a:t>Click to edit Master text styles</a:t>
             </a:r>
           </a:p>
@@ -1929,7 +1937,7 @@
           <a:p>
             <a:pPr lvl="0" eaLnBrk="1" latinLnBrk="0" hangingPunct="1"/>
             <a:r>
-              <a:rPr kumimoji="0" lang="en-US" smtClean="0"/>
+              <a:rPr kumimoji="0" lang="en-US"/>
               <a:t>Click to edit Master text styles</a:t>
             </a:r>
           </a:p>
@@ -1973,35 +1981,35 @@
           <a:p>
             <a:pPr lvl="0" eaLnBrk="1" latinLnBrk="0" hangingPunct="1"/>
             <a:r>
-              <a:rPr lang="en-US" smtClean="0"/>
+              <a:rPr lang="en-US"/>
               <a:t>Click to edit Master text styles</a:t>
             </a:r>
           </a:p>
           <a:p>
             <a:pPr lvl="1" eaLnBrk="1" latinLnBrk="0" hangingPunct="1"/>
             <a:r>
-              <a:rPr lang="en-US" smtClean="0"/>
+              <a:rPr lang="en-US"/>
               <a:t>Second level</a:t>
             </a:r>
           </a:p>
           <a:p>
             <a:pPr lvl="2" eaLnBrk="1" latinLnBrk="0" hangingPunct="1"/>
             <a:r>
-              <a:rPr lang="en-US" smtClean="0"/>
+              <a:rPr lang="en-US"/>
               <a:t>Third level</a:t>
             </a:r>
           </a:p>
           <a:p>
             <a:pPr lvl="3" eaLnBrk="1" latinLnBrk="0" hangingPunct="1"/>
             <a:r>
-              <a:rPr lang="en-US" smtClean="0"/>
+              <a:rPr lang="en-US"/>
               <a:t>Fourth level</a:t>
             </a:r>
           </a:p>
           <a:p>
             <a:pPr lvl="4" eaLnBrk="1" latinLnBrk="0" hangingPunct="1"/>
             <a:r>
-              <a:rPr lang="en-US" smtClean="0"/>
+              <a:rPr lang="en-US"/>
               <a:t>Fifth level</a:t>
             </a:r>
             <a:endParaRPr kumimoji="0" lang="en-US"/>
@@ -2046,35 +2054,35 @@
           <a:p>
             <a:pPr lvl="0" eaLnBrk="1" latinLnBrk="0" hangingPunct="1"/>
             <a:r>
-              <a:rPr lang="en-US" smtClean="0"/>
+              <a:rPr lang="en-US"/>
               <a:t>Click to edit Master text styles</a:t>
             </a:r>
           </a:p>
           <a:p>
             <a:pPr lvl="1" eaLnBrk="1" latinLnBrk="0" hangingPunct="1"/>
             <a:r>
-              <a:rPr lang="en-US" smtClean="0"/>
+              <a:rPr lang="en-US"/>
               <a:t>Second level</a:t>
             </a:r>
           </a:p>
           <a:p>
             <a:pPr lvl="2" eaLnBrk="1" latinLnBrk="0" hangingPunct="1"/>
             <a:r>
-              <a:rPr lang="en-US" smtClean="0"/>
+              <a:rPr lang="en-US"/>
               <a:t>Third level</a:t>
             </a:r>
           </a:p>
           <a:p>
             <a:pPr lvl="3" eaLnBrk="1" latinLnBrk="0" hangingPunct="1"/>
             <a:r>
-              <a:rPr lang="en-US" smtClean="0"/>
+              <a:rPr lang="en-US"/>
               <a:t>Fourth level</a:t>
             </a:r>
           </a:p>
           <a:p>
             <a:pPr lvl="4" eaLnBrk="1" latinLnBrk="0" hangingPunct="1"/>
             <a:r>
-              <a:rPr lang="en-US" smtClean="0"/>
+              <a:rPr lang="en-US"/>
               <a:t>Fifth level</a:t>
             </a:r>
             <a:endParaRPr kumimoji="0" lang="en-US"/>
@@ -2098,7 +2106,7 @@
           <a:p>
             <a:fld id="{3EE8C477-E625-422B-927C-9671C0A03F05}" type="datetimeFigureOut">
               <a:rPr lang="en-GB" smtClean="0"/>
-              <a:t>27/01/2017</a:t>
+              <a:t>28/01/2017</a:t>
             </a:fld>
             <a:endParaRPr lang="en-GB"/>
           </a:p>
@@ -2196,10 +2204,9 @@
           </a:lstStyle>
           <a:p>
             <a:r>
-              <a:rPr kumimoji="0" lang="en-US" smtClean="0"/>
+              <a:rPr kumimoji="0" lang="en-US"/>
               <a:t>Click to edit Master title style</a:t>
             </a:r>
-            <a:endParaRPr kumimoji="0" lang="en-US"/>
           </a:p>
         </p:txBody>
       </p:sp>
@@ -2220,7 +2227,7 @@
           <a:p>
             <a:fld id="{3EE8C477-E625-422B-927C-9671C0A03F05}" type="datetimeFigureOut">
               <a:rPr lang="en-GB" smtClean="0"/>
-              <a:t>27/01/2017</a:t>
+              <a:t>28/01/2017</a:t>
             </a:fld>
             <a:endParaRPr lang="en-GB"/>
           </a:p>
@@ -2310,7 +2317,7 @@
           <a:p>
             <a:fld id="{3EE8C477-E625-422B-927C-9671C0A03F05}" type="datetimeFigureOut">
               <a:rPr lang="en-GB" smtClean="0"/>
-              <a:t>27/01/2017</a:t>
+              <a:t>28/01/2017</a:t>
             </a:fld>
             <a:endParaRPr lang="en-GB"/>
           </a:p>
@@ -2413,10 +2420,9 @@
           </a:lstStyle>
           <a:p>
             <a:r>
-              <a:rPr kumimoji="0" lang="en-US" smtClean="0"/>
+              <a:rPr kumimoji="0" lang="en-US"/>
               <a:t>Click to edit Master title style</a:t>
             </a:r>
-            <a:endParaRPr kumimoji="0" lang="en-US"/>
           </a:p>
         </p:txBody>
       </p:sp>
@@ -2463,7 +2469,7 @@
           <a:p>
             <a:pPr lvl="0" eaLnBrk="1" latinLnBrk="0" hangingPunct="1"/>
             <a:r>
-              <a:rPr kumimoji="0" lang="en-US" smtClean="0"/>
+              <a:rPr kumimoji="0" lang="en-US"/>
               <a:t>Click to edit Master text styles</a:t>
             </a:r>
           </a:p>
@@ -2507,35 +2513,35 @@
           <a:p>
             <a:pPr lvl="0" eaLnBrk="1" latinLnBrk="0" hangingPunct="1"/>
             <a:r>
-              <a:rPr lang="en-US" smtClean="0"/>
+              <a:rPr lang="en-US"/>
               <a:t>Click to edit Master text styles</a:t>
             </a:r>
           </a:p>
           <a:p>
             <a:pPr lvl="1" eaLnBrk="1" latinLnBrk="0" hangingPunct="1"/>
             <a:r>
-              <a:rPr lang="en-US" smtClean="0"/>
+              <a:rPr lang="en-US"/>
               <a:t>Second level</a:t>
             </a:r>
           </a:p>
           <a:p>
             <a:pPr lvl="2" eaLnBrk="1" latinLnBrk="0" hangingPunct="1"/>
             <a:r>
-              <a:rPr lang="en-US" smtClean="0"/>
+              <a:rPr lang="en-US"/>
               <a:t>Third level</a:t>
             </a:r>
           </a:p>
           <a:p>
             <a:pPr lvl="3" eaLnBrk="1" latinLnBrk="0" hangingPunct="1"/>
             <a:r>
-              <a:rPr lang="en-US" smtClean="0"/>
+              <a:rPr lang="en-US"/>
               <a:t>Fourth level</a:t>
             </a:r>
           </a:p>
           <a:p>
             <a:pPr lvl="4" eaLnBrk="1" latinLnBrk="0" hangingPunct="1"/>
             <a:r>
-              <a:rPr lang="en-US" smtClean="0"/>
+              <a:rPr lang="en-US"/>
               <a:t>Fifth level</a:t>
             </a:r>
             <a:endParaRPr kumimoji="0" lang="en-US"/>
@@ -2559,7 +2565,7 @@
           <a:p>
             <a:fld id="{3EE8C477-E625-422B-927C-9671C0A03F05}" type="datetimeFigureOut">
               <a:rPr lang="en-GB" smtClean="0"/>
-              <a:t>27/01/2017</a:t>
+              <a:t>28/01/2017</a:t>
             </a:fld>
             <a:endParaRPr lang="en-GB"/>
           </a:p>
@@ -2667,10 +2673,9 @@
           </a:lstStyle>
           <a:p>
             <a:r>
-              <a:rPr kumimoji="0" lang="en-US" smtClean="0"/>
+              <a:rPr kumimoji="0" lang="en-US"/>
               <a:t>Click to edit Master title style</a:t>
             </a:r>
-            <a:endParaRPr kumimoji="0" lang="en-US"/>
           </a:p>
         </p:txBody>
       </p:sp>
@@ -2735,7 +2740,7 @@
           </a:lstStyle>
           <a:p>
             <a:r>
-              <a:rPr kumimoji="0" lang="en-US" smtClean="0"/>
+              <a:rPr kumimoji="0" lang="en-US"/>
               <a:t>Click icon to add picture</a:t>
             </a:r>
             <a:endParaRPr kumimoji="0" lang="en-US" dirty="0"/>
@@ -2790,7 +2795,7 @@
           <a:p>
             <a:pPr lvl="0" eaLnBrk="1" latinLnBrk="0" hangingPunct="1"/>
             <a:r>
-              <a:rPr kumimoji="0" lang="en-US" smtClean="0"/>
+              <a:rPr kumimoji="0" lang="en-US"/>
               <a:t>Click to edit Master text styles</a:t>
             </a:r>
           </a:p>
@@ -2818,7 +2823,7 @@
           <a:p>
             <a:fld id="{3EE8C477-E625-422B-927C-9671C0A03F05}" type="datetimeFigureOut">
               <a:rPr lang="en-GB" smtClean="0"/>
-              <a:t>27/01/2017</a:t>
+              <a:t>28/01/2017</a:t>
             </a:fld>
             <a:endParaRPr lang="en-GB"/>
           </a:p>
@@ -3118,10 +3123,9 @@
           <a:lstStyle/>
           <a:p>
             <a:r>
-              <a:rPr kumimoji="0" lang="en-US" smtClean="0"/>
+              <a:rPr kumimoji="0" lang="en-US"/>
               <a:t>Click to edit Master title style</a:t>
             </a:r>
-            <a:endParaRPr kumimoji="0" lang="en-US"/>
           </a:p>
         </p:txBody>
       </p:sp>
@@ -3152,38 +3156,37 @@
           <a:p>
             <a:pPr lvl="0" eaLnBrk="1" latinLnBrk="0" hangingPunct="1"/>
             <a:r>
-              <a:rPr kumimoji="0" lang="en-US" smtClean="0"/>
+              <a:rPr kumimoji="0" lang="en-US"/>
               <a:t>Click to edit Master text styles</a:t>
             </a:r>
           </a:p>
           <a:p>
             <a:pPr lvl="1" eaLnBrk="1" latinLnBrk="0" hangingPunct="1"/>
             <a:r>
-              <a:rPr kumimoji="0" lang="en-US" smtClean="0"/>
+              <a:rPr kumimoji="0" lang="en-US"/>
               <a:t>Second level</a:t>
             </a:r>
           </a:p>
           <a:p>
             <a:pPr lvl="2" eaLnBrk="1" latinLnBrk="0" hangingPunct="1"/>
             <a:r>
-              <a:rPr kumimoji="0" lang="en-US" smtClean="0"/>
+              <a:rPr kumimoji="0" lang="en-US"/>
               <a:t>Third level</a:t>
             </a:r>
           </a:p>
           <a:p>
             <a:pPr lvl="3" eaLnBrk="1" latinLnBrk="0" hangingPunct="1"/>
             <a:r>
-              <a:rPr kumimoji="0" lang="en-US" smtClean="0"/>
+              <a:rPr kumimoji="0" lang="en-US"/>
               <a:t>Fourth level</a:t>
             </a:r>
           </a:p>
           <a:p>
             <a:pPr lvl="4" eaLnBrk="1" latinLnBrk="0" hangingPunct="1"/>
             <a:r>
-              <a:rPr kumimoji="0" lang="en-US" smtClean="0"/>
+              <a:rPr kumimoji="0" lang="en-US"/>
               <a:t>Fifth level</a:t>
             </a:r>
-            <a:endParaRPr kumimoji="0" lang="en-US"/>
           </a:p>
         </p:txBody>
       </p:sp>
@@ -3222,7 +3225,7 @@
           <a:p>
             <a:fld id="{3EE8C477-E625-422B-927C-9671C0A03F05}" type="datetimeFigureOut">
               <a:rPr lang="en-GB" smtClean="0"/>
-              <a:t>27/01/2017</a:t>
+              <a:t>28/01/2017</a:t>
             </a:fld>
             <a:endParaRPr lang="en-GB"/>
           </a:p>
@@ -3638,10 +3641,9 @@
           <a:lstStyle/>
           <a:p>
             <a:r>
-              <a:rPr lang="en-GB" dirty="0" smtClean="0"/>
+              <a:rPr lang="en-GB" dirty="0"/>
               <a:t>Level 4/5 Group 15</a:t>
             </a:r>
-            <a:endParaRPr lang="en-GB" dirty="0"/>
           </a:p>
         </p:txBody>
       </p:sp>
@@ -3661,10 +3663,9 @@
           <a:lstStyle/>
           <a:p>
             <a:r>
-              <a:rPr lang="en-GB" dirty="0" smtClean="0"/>
+              <a:rPr lang="en-GB" dirty="0"/>
               <a:t>Concept Pitch</a:t>
             </a:r>
-            <a:endParaRPr lang="en-GB" dirty="0"/>
           </a:p>
         </p:txBody>
       </p:sp>
@@ -3709,10 +3710,9 @@
           <a:lstStyle/>
           <a:p>
             <a:r>
-              <a:rPr lang="en-GB" dirty="0" smtClean="0"/>
+              <a:rPr lang="en-GB" dirty="0"/>
               <a:t>Brief</a:t>
             </a:r>
-            <a:endParaRPr lang="en-GB" dirty="0"/>
           </a:p>
         </p:txBody>
       </p:sp>
@@ -3732,42 +3732,41 @@
           <a:lstStyle/>
           <a:p>
             <a:r>
-              <a:rPr lang="en-GB" dirty="0" smtClean="0"/>
+              <a:rPr lang="en-GB" dirty="0"/>
               <a:t>For 2 players</a:t>
             </a:r>
           </a:p>
           <a:p>
             <a:r>
-              <a:rPr lang="en-GB" dirty="0" smtClean="0"/>
+              <a:rPr lang="en-GB" dirty="0"/>
               <a:t>Physics based</a:t>
             </a:r>
           </a:p>
           <a:p>
             <a:r>
-              <a:rPr lang="en-GB" dirty="0" smtClean="0"/>
+              <a:rPr lang="en-GB" dirty="0"/>
               <a:t>Adversarial</a:t>
             </a:r>
           </a:p>
           <a:p>
             <a:pPr lvl="1"/>
             <a:r>
-              <a:rPr lang="en-GB" sz="2000" dirty="0" smtClean="0"/>
+              <a:rPr lang="en-GB" sz="2000" dirty="0"/>
               <a:t>(i.e. “...characterised by conflict or opposition” – Oxford Dictionary)</a:t>
             </a:r>
           </a:p>
           <a:p>
             <a:r>
-              <a:rPr lang="en-GB" sz="2400" dirty="0" smtClean="0"/>
+              <a:rPr lang="en-GB" sz="2400" dirty="0"/>
               <a:t>On a single device</a:t>
             </a:r>
           </a:p>
           <a:p>
             <a:pPr lvl="1"/>
             <a:r>
-              <a:rPr lang="en-GB" sz="2000" dirty="0" smtClean="0"/>
+              <a:rPr lang="en-GB" sz="2000" dirty="0"/>
               <a:t>(i.e. No hidden information)</a:t>
             </a:r>
-            <a:endParaRPr lang="en-GB" sz="2000" dirty="0" smtClean="0"/>
           </a:p>
         </p:txBody>
       </p:sp>
@@ -3812,32 +3811,161 @@
           <a:lstStyle/>
           <a:p>
             <a:r>
-              <a:rPr lang="en-GB" dirty="0" smtClean="0"/>
+              <a:rPr lang="en-GB" dirty="0"/>
               <a:t>Research – Other Games</a:t>
             </a:r>
-            <a:endParaRPr lang="en-GB" dirty="0"/>
-          </a:p>
-        </p:txBody>
-      </p:sp>
-      <p:sp>
-        <p:nvSpPr>
-          <p:cNvPr id="3" name="Content Placeholder 2"/>
-          <p:cNvSpPr>
-            <a:spLocks noGrp="1"/>
-          </p:cNvSpPr>
+          </a:p>
+        </p:txBody>
+      </p:sp>
+      <p:pic>
+        <p:nvPicPr>
+          <p:cNvPr id="4" name="Content Placeholder 3"/>
+          <p:cNvPicPr>
+            <a:picLocks noGrp="1" noChangeAspect="1"/>
+          </p:cNvPicPr>
           <p:nvPr>
             <p:ph idx="1"/>
           </p:nvPr>
-        </p:nvSpPr>
-        <p:spPr/>
-        <p:txBody>
-          <a:bodyPr/>
-          <a:lstStyle/>
-          <a:p>
-            <a:endParaRPr lang="en-GB"/>
-          </a:p>
-        </p:txBody>
-      </p:sp>
+        </p:nvPicPr>
+        <p:blipFill>
+          <a:blip r:embed="rId2">
+            <a:extLst>
+              <a:ext uri="{28A0092B-C50C-407E-A947-70E740481C1C}">
+                <a14:useLocalDpi xmlns:a14="http://schemas.microsoft.com/office/drawing/2010/main" val="0"/>
+              </a:ext>
+            </a:extLst>
+          </a:blip>
+          <a:stretch>
+            <a:fillRect/>
+          </a:stretch>
+        </p:blipFill>
+        <p:spPr>
+          <a:xfrm>
+            <a:off x="539552" y="2827422"/>
+            <a:ext cx="3027599" cy="2113746"/>
+          </a:xfrm>
+        </p:spPr>
+      </p:pic>
+      <p:pic>
+        <p:nvPicPr>
+          <p:cNvPr id="5" name="Picture 4"/>
+          <p:cNvPicPr>
+            <a:picLocks noChangeAspect="1"/>
+          </p:cNvPicPr>
+          <p:nvPr/>
+        </p:nvPicPr>
+        <p:blipFill>
+          <a:blip r:embed="rId3" cstate="print">
+            <a:extLst>
+              <a:ext uri="{28A0092B-C50C-407E-A947-70E740481C1C}">
+                <a14:useLocalDpi xmlns:a14="http://schemas.microsoft.com/office/drawing/2010/main" val="0"/>
+              </a:ext>
+            </a:extLst>
+          </a:blip>
+          <a:stretch>
+            <a:fillRect/>
+          </a:stretch>
+        </p:blipFill>
+        <p:spPr>
+          <a:xfrm>
+            <a:off x="3762985" y="2827423"/>
+            <a:ext cx="2281787" cy="1393666"/>
+          </a:xfrm>
+          <a:prstGeom prst="rect">
+            <a:avLst/>
+          </a:prstGeom>
+        </p:spPr>
+      </p:pic>
+      <p:pic>
+        <p:nvPicPr>
+          <p:cNvPr id="6" name="Picture 5"/>
+          <p:cNvPicPr>
+            <a:picLocks noChangeAspect="1"/>
+          </p:cNvPicPr>
+          <p:nvPr/>
+        </p:nvPicPr>
+        <p:blipFill>
+          <a:blip r:embed="rId4" cstate="print">
+            <a:extLst>
+              <a:ext uri="{28A0092B-C50C-407E-A947-70E740481C1C}">
+                <a14:useLocalDpi xmlns:a14="http://schemas.microsoft.com/office/drawing/2010/main" val="0"/>
+              </a:ext>
+            </a:extLst>
+          </a:blip>
+          <a:stretch>
+            <a:fillRect/>
+          </a:stretch>
+        </p:blipFill>
+        <p:spPr>
+          <a:xfrm>
+            <a:off x="4627081" y="1461166"/>
+            <a:ext cx="1872208" cy="1091347"/>
+          </a:xfrm>
+          <a:prstGeom prst="rect">
+            <a:avLst/>
+          </a:prstGeom>
+        </p:spPr>
+      </p:pic>
+      <p:pic>
+        <p:nvPicPr>
+          <p:cNvPr id="7" name="Picture 6"/>
+          <p:cNvPicPr>
+            <a:picLocks noChangeAspect="1"/>
+          </p:cNvPicPr>
+          <p:nvPr/>
+        </p:nvPicPr>
+        <p:blipFill>
+          <a:blip r:embed="rId5" cstate="print">
+            <a:extLst>
+              <a:ext uri="{28A0092B-C50C-407E-A947-70E740481C1C}">
+                <a14:useLocalDpi xmlns:a14="http://schemas.microsoft.com/office/drawing/2010/main" val="0"/>
+              </a:ext>
+            </a:extLst>
+          </a:blip>
+          <a:stretch>
+            <a:fillRect/>
+          </a:stretch>
+        </p:blipFill>
+        <p:spPr>
+          <a:xfrm>
+            <a:off x="2699792" y="1461167"/>
+            <a:ext cx="1706896" cy="1103738"/>
+          </a:xfrm>
+          <a:prstGeom prst="rect">
+            <a:avLst/>
+          </a:prstGeom>
+        </p:spPr>
+      </p:pic>
+      <p:pic>
+        <p:nvPicPr>
+          <p:cNvPr id="8" name="Picture 7"/>
+          <p:cNvPicPr>
+            <a:picLocks noChangeAspect="1"/>
+          </p:cNvPicPr>
+          <p:nvPr/>
+        </p:nvPicPr>
+        <p:blipFill>
+          <a:blip r:embed="rId6" cstate="print">
+            <a:extLst>
+              <a:ext uri="{28A0092B-C50C-407E-A947-70E740481C1C}">
+                <a14:useLocalDpi xmlns:a14="http://schemas.microsoft.com/office/drawing/2010/main" val="0"/>
+              </a:ext>
+            </a:extLst>
+          </a:blip>
+          <a:stretch>
+            <a:fillRect/>
+          </a:stretch>
+        </p:blipFill>
+        <p:spPr>
+          <a:xfrm>
+            <a:off x="539553" y="1461166"/>
+            <a:ext cx="1961552" cy="1103739"/>
+          </a:xfrm>
+          <a:prstGeom prst="rect">
+            <a:avLst/>
+          </a:prstGeom>
+        </p:spPr>
+      </p:pic>
     </p:spTree>
   </p:cSld>
   <p:clrMapOvr>
@@ -3879,38 +4007,97 @@
           <a:lstStyle/>
           <a:p>
             <a:r>
-              <a:rPr lang="en-GB" dirty="0" smtClean="0"/>
+              <a:rPr lang="en-GB" dirty="0"/>
               <a:t>Research - Targeted</a:t>
             </a:r>
+          </a:p>
+        </p:txBody>
+      </p:sp>
+      <p:sp>
+        <p:nvSpPr>
+          <p:cNvPr id="3" name="Content Placeholder 2"/>
+          <p:cNvSpPr>
+            <a:spLocks noGrp="1"/>
+          </p:cNvSpPr>
+          <p:nvPr>
+            <p:ph idx="1"/>
+          </p:nvPr>
+        </p:nvSpPr>
+        <p:spPr/>
+        <p:txBody>
+          <a:bodyPr/>
+          <a:lstStyle/>
+          <a:p>
+            <a:r>
+              <a:rPr lang="en-GB" dirty="0"/>
+              <a:t>Demographic: Males, 10-13 (Schell)</a:t>
+            </a:r>
+          </a:p>
+          <a:p>
             <a:endParaRPr lang="en-GB" dirty="0"/>
           </a:p>
         </p:txBody>
       </p:sp>
-      <p:sp>
-        <p:nvSpPr>
-          <p:cNvPr id="3" name="Content Placeholder 2"/>
-          <p:cNvSpPr>
-            <a:spLocks noGrp="1"/>
-          </p:cNvSpPr>
-          <p:nvPr>
-            <p:ph idx="1"/>
-          </p:nvPr>
-        </p:nvSpPr>
-        <p:spPr/>
-        <p:txBody>
-          <a:bodyPr/>
-          <a:lstStyle/>
-          <a:p>
-            <a:r>
-              <a:rPr lang="en-GB" dirty="0" smtClean="0"/>
-              <a:t>Demographic: Males, 10-13 (Schell)</a:t>
-            </a:r>
-          </a:p>
-          <a:p>
-            <a:endParaRPr lang="en-GB" dirty="0"/>
-          </a:p>
-        </p:txBody>
-      </p:sp>
+      <p:pic>
+        <p:nvPicPr>
+          <p:cNvPr id="4" name="Picture 3"/>
+          <p:cNvPicPr>
+            <a:picLocks noChangeAspect="1"/>
+          </p:cNvPicPr>
+          <p:nvPr/>
+        </p:nvPicPr>
+        <p:blipFill>
+          <a:blip r:embed="rId2" cstate="print">
+            <a:extLst>
+              <a:ext uri="{28A0092B-C50C-407E-A947-70E740481C1C}">
+                <a14:useLocalDpi xmlns:a14="http://schemas.microsoft.com/office/drawing/2010/main" val="0"/>
+              </a:ext>
+            </a:extLst>
+          </a:blip>
+          <a:stretch>
+            <a:fillRect/>
+          </a:stretch>
+        </p:blipFill>
+        <p:spPr>
+          <a:xfrm>
+            <a:off x="683568" y="2276872"/>
+            <a:ext cx="2747886" cy="2232248"/>
+          </a:xfrm>
+          <a:prstGeom prst="rect">
+            <a:avLst/>
+          </a:prstGeom>
+        </p:spPr>
+      </p:pic>
+      <p:pic>
+        <p:nvPicPr>
+          <p:cNvPr id="5" name="Picture 4"/>
+          <p:cNvPicPr>
+            <a:picLocks noChangeAspect="1"/>
+          </p:cNvPicPr>
+          <p:nvPr/>
+        </p:nvPicPr>
+        <p:blipFill>
+          <a:blip r:embed="rId3" cstate="print">
+            <a:extLst>
+              <a:ext uri="{28A0092B-C50C-407E-A947-70E740481C1C}">
+                <a14:useLocalDpi xmlns:a14="http://schemas.microsoft.com/office/drawing/2010/main" val="0"/>
+              </a:ext>
+            </a:extLst>
+          </a:blip>
+          <a:stretch>
+            <a:fillRect/>
+          </a:stretch>
+        </p:blipFill>
+        <p:spPr>
+          <a:xfrm>
+            <a:off x="3653872" y="2276873"/>
+            <a:ext cx="3118948" cy="2232248"/>
+          </a:xfrm>
+          <a:prstGeom prst="rect">
+            <a:avLst/>
+          </a:prstGeom>
+        </p:spPr>
+      </p:pic>
     </p:spTree>
   </p:cSld>
   <p:clrMapOvr>
@@ -3952,10 +4139,9 @@
           <a:lstStyle/>
           <a:p>
             <a:r>
-              <a:rPr lang="en-GB" dirty="0" smtClean="0"/>
+              <a:rPr lang="en-GB" dirty="0"/>
               <a:t>Our Game</a:t>
             </a:r>
-            <a:endParaRPr lang="en-GB" dirty="0"/>
           </a:p>
         </p:txBody>
       </p:sp>
@@ -4023,10 +4209,9 @@
           <a:lstStyle/>
           <a:p>
             <a:r>
-              <a:rPr lang="en-GB" dirty="0" smtClean="0"/>
+              <a:rPr lang="en-GB" dirty="0"/>
               <a:t>Our Game – Cont.</a:t>
             </a:r>
-            <a:endParaRPr lang="en-GB" dirty="0"/>
           </a:p>
         </p:txBody>
       </p:sp>
